--- a/Problem Sheet 1 Q3.pptx
+++ b/Problem Sheet 1 Q3.pptx
@@ -109,6 +109,11 @@
       </a:defRPr>
     </a:lvl9pPr>
   </p:defaultTextStyle>
+  <p:extLst>
+    <p:ext uri="{EFAFB233-063F-42B5-8137-9DF3F51BA10A}">
+      <p15:sldGuideLst xmlns:p15="http://schemas.microsoft.com/office/powerpoint/2012/main"/>
+    </p:ext>
+  </p:extLst>
 </p:presentation>
 </file>
 
@@ -261,7 +266,7 @@
           <a:p>
             <a:fld id="{7D32E129-6D31-409C-B39D-73C6676AEA40}" type="datetimeFigureOut">
               <a:rPr lang="en-GB" smtClean="0"/>
-              <a:t>27/01/2023</a:t>
+              <a:t>29/01/2023</a:t>
             </a:fld>
             <a:endParaRPr lang="en-GB"/>
           </a:p>
@@ -461,7 +466,7 @@
           <a:p>
             <a:fld id="{7D32E129-6D31-409C-B39D-73C6676AEA40}" type="datetimeFigureOut">
               <a:rPr lang="en-GB" smtClean="0"/>
-              <a:t>27/01/2023</a:t>
+              <a:t>29/01/2023</a:t>
             </a:fld>
             <a:endParaRPr lang="en-GB"/>
           </a:p>
@@ -671,7 +676,7 @@
           <a:p>
             <a:fld id="{7D32E129-6D31-409C-B39D-73C6676AEA40}" type="datetimeFigureOut">
               <a:rPr lang="en-GB" smtClean="0"/>
-              <a:t>27/01/2023</a:t>
+              <a:t>29/01/2023</a:t>
             </a:fld>
             <a:endParaRPr lang="en-GB"/>
           </a:p>
@@ -871,7 +876,7 @@
           <a:p>
             <a:fld id="{7D32E129-6D31-409C-B39D-73C6676AEA40}" type="datetimeFigureOut">
               <a:rPr lang="en-GB" smtClean="0"/>
-              <a:t>27/01/2023</a:t>
+              <a:t>29/01/2023</a:t>
             </a:fld>
             <a:endParaRPr lang="en-GB"/>
           </a:p>
@@ -1147,7 +1152,7 @@
           <a:p>
             <a:fld id="{7D32E129-6D31-409C-B39D-73C6676AEA40}" type="datetimeFigureOut">
               <a:rPr lang="en-GB" smtClean="0"/>
-              <a:t>27/01/2023</a:t>
+              <a:t>29/01/2023</a:t>
             </a:fld>
             <a:endParaRPr lang="en-GB"/>
           </a:p>
@@ -1415,7 +1420,7 @@
           <a:p>
             <a:fld id="{7D32E129-6D31-409C-B39D-73C6676AEA40}" type="datetimeFigureOut">
               <a:rPr lang="en-GB" smtClean="0"/>
-              <a:t>27/01/2023</a:t>
+              <a:t>29/01/2023</a:t>
             </a:fld>
             <a:endParaRPr lang="en-GB"/>
           </a:p>
@@ -1830,7 +1835,7 @@
           <a:p>
             <a:fld id="{7D32E129-6D31-409C-B39D-73C6676AEA40}" type="datetimeFigureOut">
               <a:rPr lang="en-GB" smtClean="0"/>
-              <a:t>27/01/2023</a:t>
+              <a:t>29/01/2023</a:t>
             </a:fld>
             <a:endParaRPr lang="en-GB"/>
           </a:p>
@@ -1972,7 +1977,7 @@
           <a:p>
             <a:fld id="{7D32E129-6D31-409C-B39D-73C6676AEA40}" type="datetimeFigureOut">
               <a:rPr lang="en-GB" smtClean="0"/>
-              <a:t>27/01/2023</a:t>
+              <a:t>29/01/2023</a:t>
             </a:fld>
             <a:endParaRPr lang="en-GB"/>
           </a:p>
@@ -2085,7 +2090,7 @@
           <a:p>
             <a:fld id="{7D32E129-6D31-409C-B39D-73C6676AEA40}" type="datetimeFigureOut">
               <a:rPr lang="en-GB" smtClean="0"/>
-              <a:t>27/01/2023</a:t>
+              <a:t>29/01/2023</a:t>
             </a:fld>
             <a:endParaRPr lang="en-GB"/>
           </a:p>
@@ -2398,7 +2403,7 @@
           <a:p>
             <a:fld id="{7D32E129-6D31-409C-B39D-73C6676AEA40}" type="datetimeFigureOut">
               <a:rPr lang="en-GB" smtClean="0"/>
-              <a:t>27/01/2023</a:t>
+              <a:t>29/01/2023</a:t>
             </a:fld>
             <a:endParaRPr lang="en-GB"/>
           </a:p>
@@ -2687,7 +2692,7 @@
           <a:p>
             <a:fld id="{7D32E129-6D31-409C-B39D-73C6676AEA40}" type="datetimeFigureOut">
               <a:rPr lang="en-GB" smtClean="0"/>
-              <a:t>27/01/2023</a:t>
+              <a:t>29/01/2023</a:t>
             </a:fld>
             <a:endParaRPr lang="en-GB"/>
           </a:p>
@@ -2930,7 +2935,7 @@
           <a:p>
             <a:fld id="{7D32E129-6D31-409C-B39D-73C6676AEA40}" type="datetimeFigureOut">
               <a:rPr lang="en-GB" smtClean="0"/>
-              <a:t>27/01/2023</a:t>
+              <a:t>29/01/2023</a:t>
             </a:fld>
             <a:endParaRPr lang="en-GB"/>
           </a:p>
@@ -3375,8 +3380,8 @@
           </a:p>
         </p:txBody>
       </p:sp>
-      <mc:AlternateContent xmlns:mc="http://schemas.openxmlformats.org/markup-compatibility/2006">
-        <mc:Choice xmlns:a14="http://schemas.microsoft.com/office/drawing/2010/main" Requires="a14">
+      <mc:AlternateContent xmlns:mc="http://schemas.openxmlformats.org/markup-compatibility/2006" xmlns:a14="http://schemas.microsoft.com/office/drawing/2010/main">
+        <mc:Choice Requires="a14">
           <p:sp>
             <p:nvSpPr>
               <p:cNvPr id="4" name="Content Placeholder 3">
@@ -4396,7 +4401,7 @@
             </p:txBody>
           </p:sp>
         </mc:Choice>
-        <mc:Fallback>
+        <mc:Fallback xmlns="">
           <p:sp>
             <p:nvSpPr>
               <p:cNvPr id="4" name="Content Placeholder 3">
@@ -4494,8 +4499,8 @@
           </a:p>
         </p:txBody>
       </p:sp>
-      <mc:AlternateContent xmlns:mc="http://schemas.openxmlformats.org/markup-compatibility/2006">
-        <mc:Choice xmlns:a14="http://schemas.microsoft.com/office/drawing/2010/main" Requires="a14">
+      <mc:AlternateContent xmlns:mc="http://schemas.openxmlformats.org/markup-compatibility/2006" xmlns:a14="http://schemas.microsoft.com/office/drawing/2010/main">
+        <mc:Choice Requires="a14">
           <p:sp>
             <p:nvSpPr>
               <p:cNvPr id="3" name="Content Placeholder 2">
@@ -4730,13 +4735,7 @@
                           <a:rPr lang="en-GB" sz="1800" b="0" i="1" smtClean="0">
                             <a:latin typeface="Cambria Math" panose="02040503050406030204" pitchFamily="18" charset="0"/>
                           </a:rPr>
-                          <m:t>𝑚</m:t>
-                        </m:r>
-                        <m:r>
-                          <a:rPr lang="en-GB" sz="1800" b="0" i="1" smtClean="0">
-                            <a:latin typeface="Cambria Math" panose="02040503050406030204" pitchFamily="18" charset="0"/>
-                          </a:rPr>
-                          <m:t>𝑖𝑛</m:t>
+                          <m:t>𝑚𝑖𝑛</m:t>
                         </m:r>
                       </m:sub>
                     </m:sSub>
@@ -4753,16 +4752,7 @@
                       <a:rPr lang="en-GB" sz="1800" b="0" i="0" smtClean="0">
                         <a:latin typeface="Cambria Math" panose="02040503050406030204" pitchFamily="18" charset="0"/>
                       </a:rPr>
-                      <m:t>M</m:t>
-                    </m:r>
-                    <m:r>
-                      <m:rPr>
-                        <m:sty m:val="p"/>
-                      </m:rPr>
-                      <a:rPr lang="en-GB" sz="1800" b="0" i="0" smtClean="0">
-                        <a:latin typeface="Cambria Math" panose="02040503050406030204" pitchFamily="18" charset="0"/>
-                      </a:rPr>
-                      <m:t>in</m:t>
+                      <m:t>Min</m:t>
                     </m:r>
                     <m:d>
                       <m:dPr>
@@ -4953,13 +4943,7 @@
                           <a:rPr lang="en-GB" sz="1800" b="0" i="1" smtClean="0">
                             <a:latin typeface="Cambria Math" panose="02040503050406030204" pitchFamily="18" charset="0"/>
                           </a:rPr>
-                          <m:t>𝑚</m:t>
-                        </m:r>
-                        <m:r>
-                          <a:rPr lang="en-GB" sz="1800" b="0" i="1" smtClean="0">
-                            <a:latin typeface="Cambria Math" panose="02040503050406030204" pitchFamily="18" charset="0"/>
-                          </a:rPr>
-                          <m:t>𝑖𝑛</m:t>
+                          <m:t>𝑚𝑖𝑛</m:t>
                         </m:r>
                       </m:sub>
                     </m:sSub>
@@ -4967,13 +4951,7 @@
                       <a:rPr lang="en-GB" sz="1800" b="0" i="1" smtClean="0">
                         <a:latin typeface="Cambria Math" panose="02040503050406030204" pitchFamily="18" charset="0"/>
                       </a:rPr>
-                      <m:t>&gt;</m:t>
-                    </m:r>
-                    <m:r>
-                      <a:rPr lang="en-GB" sz="1800" b="0" i="1" smtClean="0">
-                        <a:latin typeface="Cambria Math" panose="02040503050406030204" pitchFamily="18" charset="0"/>
-                      </a:rPr>
-                      <m:t>0</m:t>
+                      <m:t>&gt;0</m:t>
                     </m:r>
                   </m:oMath>
                 </a14:m>
@@ -5448,13 +5426,7 @@
                           <a:rPr lang="en-GB" sz="1800" b="0" i="1" smtClean="0">
                             <a:latin typeface="Cambria Math" panose="02040503050406030204" pitchFamily="18" charset="0"/>
                           </a:rPr>
-                          <m:t>=</m:t>
-                        </m:r>
-                        <m:r>
-                          <a:rPr lang="en-GB" sz="1800" b="0" i="1" smtClean="0">
-                            <a:latin typeface="Cambria Math" panose="02040503050406030204" pitchFamily="18" charset="0"/>
-                          </a:rPr>
-                          <m:t>∞</m:t>
+                          <m:t>=∞</m:t>
                         </m:r>
                       </m:e>
                     </m:func>
@@ -5613,13 +5585,7 @@
                       <a:rPr lang="en-GB" sz="1800" b="0" i="1" smtClean="0">
                         <a:latin typeface="Cambria Math" panose="02040503050406030204" pitchFamily="18" charset="0"/>
                       </a:rPr>
-                      <m:t>&gt;</m:t>
-                    </m:r>
-                    <m:r>
-                      <a:rPr lang="en-GB" sz="1800" b="0" i="1" smtClean="0">
-                        <a:latin typeface="Cambria Math" panose="02040503050406030204" pitchFamily="18" charset="0"/>
-                      </a:rPr>
-                      <m:t>0</m:t>
+                      <m:t>&gt;0</m:t>
                     </m:r>
                   </m:oMath>
                 </a14:m>
@@ -5701,13 +5667,7 @@
                       <a:rPr lang="en-GB" sz="1800" b="0" i="1" smtClean="0">
                         <a:latin typeface="Cambria Math" panose="02040503050406030204" pitchFamily="18" charset="0"/>
                       </a:rPr>
-                      <m:t>.</m:t>
-                    </m:r>
-                    <m:r>
-                      <a:rPr lang="en-GB" sz="1800" b="0" i="1" smtClean="0">
-                        <a:latin typeface="Cambria Math" panose="02040503050406030204" pitchFamily="18" charset="0"/>
-                      </a:rPr>
-                      <m:t> </m:t>
+                      <m:t>. </m:t>
                     </m:r>
                   </m:oMath>
                 </a14:m>
@@ -5738,13 +5698,7 @@
                           <a:rPr lang="en-GB" sz="1800" b="0" i="1" smtClean="0">
                             <a:latin typeface="Cambria Math" panose="02040503050406030204" pitchFamily="18" charset="0"/>
                           </a:rPr>
-                          <m:t>𝑚</m:t>
-                        </m:r>
-                        <m:r>
-                          <a:rPr lang="en-GB" sz="1800" b="0" i="1" smtClean="0">
-                            <a:latin typeface="Cambria Math" panose="02040503050406030204" pitchFamily="18" charset="0"/>
-                          </a:rPr>
-                          <m:t>𝑎𝑥</m:t>
+                          <m:t>𝑚𝑎𝑥</m:t>
                         </m:r>
                       </m:sub>
                     </m:sSub>
@@ -5761,16 +5715,7 @@
                       <a:rPr lang="en-GB" sz="1800" b="0" i="0" smtClean="0">
                         <a:latin typeface="Cambria Math" panose="02040503050406030204" pitchFamily="18" charset="0"/>
                       </a:rPr>
-                      <m:t>M</m:t>
-                    </m:r>
-                    <m:r>
-                      <m:rPr>
-                        <m:sty m:val="p"/>
-                      </m:rPr>
-                      <a:rPr lang="en-GB" sz="1800" b="0" i="0" smtClean="0">
-                        <a:latin typeface="Cambria Math" panose="02040503050406030204" pitchFamily="18" charset="0"/>
-                      </a:rPr>
-                      <m:t>ax</m:t>
+                      <m:t>Max</m:t>
                     </m:r>
                     <m:d>
                       <m:dPr>
@@ -5856,13 +5801,7 @@
                       <a:rPr lang="en-GB" sz="1800" b="0" i="1" smtClean="0">
                         <a:latin typeface="Cambria Math" panose="02040503050406030204" pitchFamily="18" charset="0"/>
                       </a:rPr>
-                      <m:t>&gt;</m:t>
-                    </m:r>
-                    <m:r>
-                      <a:rPr lang="en-GB" sz="1800" b="0" i="1" smtClean="0">
-                        <a:latin typeface="Cambria Math" panose="02040503050406030204" pitchFamily="18" charset="0"/>
-                      </a:rPr>
-                      <m:t>0</m:t>
+                      <m:t>&gt;0</m:t>
                     </m:r>
                   </m:oMath>
                 </a14:m>
@@ -5967,13 +5906,7 @@
                           <a:rPr lang="en-GB" sz="1800" b="0" i="1" smtClean="0">
                             <a:latin typeface="Cambria Math" panose="02040503050406030204" pitchFamily="18" charset="0"/>
                           </a:rPr>
-                          <m:t>𝑚</m:t>
-                        </m:r>
-                        <m:r>
-                          <a:rPr lang="en-GB" sz="1800" b="0" i="1" smtClean="0">
-                            <a:latin typeface="Cambria Math" panose="02040503050406030204" pitchFamily="18" charset="0"/>
-                          </a:rPr>
-                          <m:t>𝑎𝑥</m:t>
+                          <m:t>𝑚𝑎𝑥</m:t>
                         </m:r>
                       </m:sub>
                     </m:sSub>
@@ -5981,13 +5914,7 @@
                       <a:rPr lang="en-GB" sz="1800" b="0" i="1" smtClean="0">
                         <a:latin typeface="Cambria Math" panose="02040503050406030204" pitchFamily="18" charset="0"/>
                       </a:rPr>
-                      <m:t>&lt;</m:t>
-                    </m:r>
-                    <m:r>
-                      <a:rPr lang="en-GB" sz="1800" b="0" i="1" smtClean="0">
-                        <a:latin typeface="Cambria Math" panose="02040503050406030204" pitchFamily="18" charset="0"/>
-                      </a:rPr>
-                      <m:t>0</m:t>
+                      <m:t>&lt;0</m:t>
                     </m:r>
                   </m:oMath>
                 </a14:m>
@@ -6139,13 +6066,7 @@
                                 <a:rPr lang="en-GB" sz="1800" b="0" i="1" smtClean="0">
                                   <a:latin typeface="Cambria Math" panose="02040503050406030204" pitchFamily="18" charset="0"/>
                                 </a:rPr>
-                                <m:t>𝑚</m:t>
-                              </m:r>
-                              <m:r>
-                                <a:rPr lang="en-GB" sz="1800" b="0" i="1" smtClean="0">
-                                  <a:latin typeface="Cambria Math" panose="02040503050406030204" pitchFamily="18" charset="0"/>
-                                </a:rPr>
-                                <m:t>𝑎𝑥</m:t>
+                                <m:t>𝑚𝑎𝑥</m:t>
                               </m:r>
                             </m:sub>
                           </m:sSub>
@@ -6170,13 +6091,7 @@
                                 <a:rPr lang="en-GB" sz="1800" b="0" i="1" smtClean="0">
                                   <a:latin typeface="Cambria Math" panose="02040503050406030204" pitchFamily="18" charset="0"/>
                                 </a:rPr>
-                                <m:t>𝑚</m:t>
-                              </m:r>
-                              <m:r>
-                                <a:rPr lang="en-GB" sz="1800" b="0" i="1" smtClean="0">
-                                  <a:latin typeface="Cambria Math" panose="02040503050406030204" pitchFamily="18" charset="0"/>
-                                </a:rPr>
-                                <m:t>𝑎𝑥</m:t>
+                                <m:t>𝑚𝑎𝑥</m:t>
                               </m:r>
                             </m:sub>
                           </m:sSub>
@@ -6240,13 +6155,7 @@
                                 <a:rPr lang="en-GB" sz="1800" b="0" i="1" smtClean="0">
                                   <a:latin typeface="Cambria Math" panose="02040503050406030204" pitchFamily="18" charset="0"/>
                                 </a:rPr>
-                                <m:t>+1</m:t>
-                              </m:r>
-                              <m:r>
-                                <a:rPr lang="en-GB" sz="1800" b="0" i="1" smtClean="0">
-                                  <a:latin typeface="Cambria Math" panose="02040503050406030204" pitchFamily="18" charset="0"/>
-                                </a:rPr>
-                                <m:t>;</m:t>
+                                <m:t>+1;</m:t>
                               </m:r>
                               <m:r>
                                 <a:rPr lang="en-GB" sz="1800" b="0" i="1" smtClean="0">
@@ -6511,13 +6420,7 @@
                           <a:rPr lang="en-GB" sz="1800" b="0" i="1" smtClean="0">
                             <a:latin typeface="Cambria Math" panose="02040503050406030204" pitchFamily="18" charset="0"/>
                           </a:rPr>
-                          <m:t>=</m:t>
-                        </m:r>
-                        <m:r>
-                          <a:rPr lang="en-GB" sz="1800" b="0" i="1" smtClean="0">
-                            <a:latin typeface="Cambria Math" panose="02040503050406030204" pitchFamily="18" charset="0"/>
-                          </a:rPr>
-                          <m:t>∞</m:t>
+                          <m:t>=∞</m:t>
                         </m:r>
                       </m:e>
                     </m:func>
@@ -6531,7 +6434,7 @@
             </p:txBody>
           </p:sp>
         </mc:Choice>
-        <mc:Fallback>
+        <mc:Fallback xmlns="">
           <p:sp>
             <p:nvSpPr>
               <p:cNvPr id="3" name="Content Placeholder 2">
@@ -6629,8 +6532,8 @@
           </a:p>
         </p:txBody>
       </p:sp>
-      <mc:AlternateContent xmlns:mc="http://schemas.openxmlformats.org/markup-compatibility/2006">
-        <mc:Choice xmlns:a14="http://schemas.microsoft.com/office/drawing/2010/main" Requires="a14">
+      <mc:AlternateContent xmlns:mc="http://schemas.openxmlformats.org/markup-compatibility/2006" xmlns:a14="http://schemas.microsoft.com/office/drawing/2010/main">
+        <mc:Choice Requires="a14">
           <p:sp>
             <p:nvSpPr>
               <p:cNvPr id="3" name="Content Placeholder 2">
@@ -7406,7 +7309,7 @@
             </p:txBody>
           </p:sp>
         </mc:Choice>
-        <mc:Fallback>
+        <mc:Fallback xmlns="">
           <p:sp>
             <p:nvSpPr>
               <p:cNvPr id="3" name="Content Placeholder 2">
@@ -7530,7 +7433,7 @@
             </p:spPr>
             <p:txBody>
               <a:bodyPr>
-                <a:normAutofit fontScale="85000" lnSpcReduction="10000"/>
+                <a:normAutofit fontScale="85000" lnSpcReduction="20000"/>
               </a:bodyPr>
               <a:lstStyle/>
               <a:p>
@@ -7563,14 +7466,14 @@
                 </a:r>
                 <a:r>
                   <a:rPr lang="en-GB" sz="2000" dirty="0"/>
-                  <a:t>is not semi-simple, we at least have one degenerate eigenvalue </a:t>
+                  <a:t>is not semi-simple, we at least have one degenerate eigenvalue. Suppose there is exactly one degenerate eigenvalue </a:t>
                 </a:r>
                 <a14:m>
                   <m:oMath xmlns:m="http://schemas.openxmlformats.org/officeDocument/2006/math">
                     <m:sSub>
                       <m:sSubPr>
                         <m:ctrlPr>
-                          <a:rPr lang="en-GB" sz="2000" b="0" i="0" smtClean="0">
+                          <a:rPr lang="en-GB" sz="2000" b="0" i="1" smtClean="0">
                             <a:latin typeface="Cambria Math" panose="02040503050406030204" pitchFamily="18" charset="0"/>
                           </a:rPr>
                         </m:ctrlPr>
@@ -7687,7 +7590,7 @@
                 </a14:m>
                 <a:r>
                   <a:rPr lang="en-GB" sz="2000" dirty="0"/>
-                  <a:t>. The diagonal matrix </a:t>
+                  <a:t>. The matrix </a:t>
                 </a:r>
                 <a14:m>
                   <m:oMath xmlns:m="http://schemas.openxmlformats.org/officeDocument/2006/math">
@@ -7705,8 +7608,13 @@
                 </a:r>
                 <a:r>
                   <a:rPr lang="en-GB" sz="2000" dirty="0"/>
-                  <a:t>will be a diagonal block matrix</a:t>
+                  <a:t>will be a Jordan normal form matrix and so will be </a:t>
                 </a:r>
+                <a:r>
+                  <a:rPr lang="en-GB" sz="2000"/>
+                  <a:t>block diagonal,</a:t>
+                </a:r>
+                <a:endParaRPr lang="en-GB" sz="2000" dirty="0"/>
               </a:p>
               <a:p>
                 <a:pPr marL="0" indent="0">
@@ -8269,13 +8177,7 @@
                             <a:rPr lang="en-GB" sz="2000" b="0" i="1" smtClean="0">
                               <a:latin typeface="Cambria Math" panose="02040503050406030204" pitchFamily="18" charset="0"/>
                             </a:rPr>
-                            <m:t>=</m:t>
-                          </m:r>
-                          <m:r>
-                            <a:rPr lang="en-GB" sz="2000" b="0" i="1" smtClean="0">
-                              <a:latin typeface="Cambria Math" panose="02040503050406030204" pitchFamily="18" charset="0"/>
-                            </a:rPr>
-                            <m:t>1</m:t>
+                            <m:t>=1</m:t>
                           </m:r>
                         </m:sub>
                         <m:sup>
@@ -8707,7 +8609,7 @@
               <a:blipFill>
                 <a:blip r:embed="rId2"/>
                 <a:stretch>
-                  <a:fillRect l="-342"/>
+                  <a:fillRect l="-342" b="-1120"/>
                 </a:stretch>
               </a:blipFill>
             </p:spPr>
@@ -8784,8 +8686,8 @@
           </a:p>
         </p:txBody>
       </p:sp>
-      <mc:AlternateContent xmlns:mc="http://schemas.openxmlformats.org/markup-compatibility/2006">
-        <mc:Choice xmlns:a14="http://schemas.microsoft.com/office/drawing/2010/main" Requires="a14">
+      <mc:AlternateContent xmlns:mc="http://schemas.openxmlformats.org/markup-compatibility/2006" xmlns:a14="http://schemas.microsoft.com/office/drawing/2010/main">
+        <mc:Choice Requires="a14">
           <p:sp>
             <p:nvSpPr>
               <p:cNvPr id="3" name="Content Placeholder 2">
@@ -9982,7 +9884,7 @@
             </p:txBody>
           </p:sp>
         </mc:Choice>
-        <mc:Fallback>
+        <mc:Fallback xmlns="">
           <p:sp>
             <p:nvSpPr>
               <p:cNvPr id="3" name="Content Placeholder 2">
@@ -10084,8 +9986,8 @@
           </a:p>
         </p:txBody>
       </p:sp>
-      <mc:AlternateContent xmlns:mc="http://schemas.openxmlformats.org/markup-compatibility/2006">
-        <mc:Choice xmlns:a14="http://schemas.microsoft.com/office/drawing/2010/main" Requires="a14">
+      <mc:AlternateContent xmlns:mc="http://schemas.openxmlformats.org/markup-compatibility/2006" xmlns:a14="http://schemas.microsoft.com/office/drawing/2010/main">
+        <mc:Choice Requires="a14">
           <p:sp>
             <p:nvSpPr>
               <p:cNvPr id="3" name="Content Placeholder 2">
@@ -10979,7 +10881,7 @@
             </p:txBody>
           </p:sp>
         </mc:Choice>
-        <mc:Fallback>
+        <mc:Fallback xmlns="">
           <p:sp>
             <p:nvSpPr>
               <p:cNvPr id="3" name="Content Placeholder 2">
